--- a/dd-css-flexbox/demos/cc-flexbox-wrap-yes/docs/COMP 1017 - Day 16 (Flex Wrap _ nth-child).pptx
+++ b/dd-css-flexbox/demos/cc-flexbox-wrap-yes/docs/COMP 1017 - Day 16 (Flex Wrap _ nth-child).pptx
@@ -2,39 +2,38 @@
 <file path=ppt/presentation.xml><?xml version="1.0" encoding="utf-8"?>
 <p:presentation xmlns:a="http://schemas.openxmlformats.org/drawingml/2006/main" xmlns:r="http://schemas.openxmlformats.org/officeDocument/2006/relationships" xmlns:p="http://schemas.openxmlformats.org/presentationml/2006/main" strictFirstAndLastChars="0" saveSubsetFonts="1" autoCompressPictures="0">
   <p:sldMasterIdLst>
-    <p:sldMasterId id="2147483659" r:id="rId1"/>
+    <p:sldMasterId id="2147483659" r:id="rId4"/>
   </p:sldMasterIdLst>
   <p:notesMasterIdLst>
-    <p:notesMasterId r:id="rId29"/>
+    <p:notesMasterId r:id="rId31"/>
   </p:notesMasterIdLst>
   <p:sldIdLst>
-    <p:sldId id="256" r:id="rId2"/>
-    <p:sldId id="257" r:id="rId3"/>
-    <p:sldId id="258" r:id="rId4"/>
-    <p:sldId id="259" r:id="rId5"/>
-    <p:sldId id="260" r:id="rId6"/>
-    <p:sldId id="261" r:id="rId7"/>
-    <p:sldId id="262" r:id="rId8"/>
-    <p:sldId id="263" r:id="rId9"/>
-    <p:sldId id="264" r:id="rId10"/>
-    <p:sldId id="265" r:id="rId11"/>
-    <p:sldId id="266" r:id="rId12"/>
-    <p:sldId id="267" r:id="rId13"/>
-    <p:sldId id="268" r:id="rId14"/>
-    <p:sldId id="269" r:id="rId15"/>
-    <p:sldId id="270" r:id="rId16"/>
-    <p:sldId id="271" r:id="rId17"/>
-    <p:sldId id="272" r:id="rId18"/>
-    <p:sldId id="273" r:id="rId19"/>
-    <p:sldId id="274" r:id="rId20"/>
-    <p:sldId id="275" r:id="rId21"/>
-    <p:sldId id="276" r:id="rId22"/>
-    <p:sldId id="277" r:id="rId23"/>
-    <p:sldId id="278" r:id="rId24"/>
-    <p:sldId id="279" r:id="rId25"/>
-    <p:sldId id="280" r:id="rId26"/>
-    <p:sldId id="281" r:id="rId27"/>
-    <p:sldId id="282" r:id="rId28"/>
+    <p:sldId id="256" r:id="rId5"/>
+    <p:sldId id="257" r:id="rId6"/>
+    <p:sldId id="258" r:id="rId7"/>
+    <p:sldId id="259" r:id="rId8"/>
+    <p:sldId id="260" r:id="rId9"/>
+    <p:sldId id="261" r:id="rId10"/>
+    <p:sldId id="262" r:id="rId11"/>
+    <p:sldId id="263" r:id="rId12"/>
+    <p:sldId id="264" r:id="rId13"/>
+    <p:sldId id="265" r:id="rId14"/>
+    <p:sldId id="266" r:id="rId15"/>
+    <p:sldId id="267" r:id="rId16"/>
+    <p:sldId id="268" r:id="rId17"/>
+    <p:sldId id="269" r:id="rId18"/>
+    <p:sldId id="270" r:id="rId19"/>
+    <p:sldId id="271" r:id="rId20"/>
+    <p:sldId id="272" r:id="rId21"/>
+    <p:sldId id="273" r:id="rId22"/>
+    <p:sldId id="275" r:id="rId23"/>
+    <p:sldId id="276" r:id="rId24"/>
+    <p:sldId id="277" r:id="rId25"/>
+    <p:sldId id="278" r:id="rId26"/>
+    <p:sldId id="279" r:id="rId27"/>
+    <p:sldId id="280" r:id="rId28"/>
+    <p:sldId id="281" r:id="rId29"/>
+    <p:sldId id="282" r:id="rId30"/>
   </p:sldIdLst>
   <p:sldSz cx="9144000" cy="5143500" type="screen16x9"/>
   <p:notesSz cx="6858000" cy="9144000"/>
@@ -1772,7 +1771,7 @@
   <p:cSld>
     <p:spTree>
       <p:nvGrpSpPr>
-        <p:cNvPr id="1" name="Shape 146"/>
+        <p:cNvPr id="1" name="Shape 152"/>
         <p:cNvGrpSpPr/>
         <p:nvPr/>
       </p:nvGrpSpPr>
@@ -1786,7 +1785,7 @@
       </p:grpSpPr>
       <p:sp>
         <p:nvSpPr>
-          <p:cNvPr id="147" name="Google Shape;147;g70ed9edf1d_0_8:notes"/>
+          <p:cNvPr id="153" name="Google Shape;153;g613e68b6a1_0_173:notes"/>
           <p:cNvSpPr>
             <a:spLocks noGrp="1" noRot="1" noChangeAspect="1"/>
           </p:cNvSpPr>
@@ -1827,7 +1826,7 @@
       </p:sp>
       <p:sp>
         <p:nvSpPr>
-          <p:cNvPr id="148" name="Google Shape;148;g70ed9edf1d_0_8:notes"/>
+          <p:cNvPr id="154" name="Google Shape;154;g613e68b6a1_0_173:notes"/>
           <p:cNvSpPr txBox="1">
             <a:spLocks noGrp="1"/>
           </p:cNvSpPr>
@@ -1980,110 +1979,6 @@
   <p:cSld>
     <p:spTree>
       <p:nvGrpSpPr>
-        <p:cNvPr id="1" name="Shape 152"/>
-        <p:cNvGrpSpPr/>
-        <p:nvPr/>
-      </p:nvGrpSpPr>
-      <p:grpSpPr>
-        <a:xfrm>
-          <a:off x="0" y="0"/>
-          <a:ext cx="0" cy="0"/>
-          <a:chOff x="0" y="0"/>
-          <a:chExt cx="0" cy="0"/>
-        </a:xfrm>
-      </p:grpSpPr>
-      <p:sp>
-        <p:nvSpPr>
-          <p:cNvPr id="153" name="Google Shape;153;g613e68b6a1_0_173:notes"/>
-          <p:cNvSpPr>
-            <a:spLocks noGrp="1" noRot="1" noChangeAspect="1"/>
-          </p:cNvSpPr>
-          <p:nvPr>
-            <p:ph type="sldImg" idx="2"/>
-          </p:nvPr>
-        </p:nvSpPr>
-        <p:spPr>
-          <a:xfrm>
-            <a:off x="381300" y="685800"/>
-            <a:ext cx="6096000" cy="3429000"/>
-          </a:xfrm>
-          <a:custGeom>
-            <a:avLst/>
-            <a:gdLst/>
-            <a:ahLst/>
-            <a:cxnLst/>
-            <a:rect l="l" t="t" r="r" b="b"/>
-            <a:pathLst>
-              <a:path w="120000" h="120000" extrusionOk="0">
-                <a:moveTo>
-                  <a:pt x="0" y="0"/>
-                </a:moveTo>
-                <a:lnTo>
-                  <a:pt x="120000" y="0"/>
-                </a:lnTo>
-                <a:lnTo>
-                  <a:pt x="120000" y="120000"/>
-                </a:lnTo>
-                <a:lnTo>
-                  <a:pt x="0" y="120000"/>
-                </a:lnTo>
-                <a:close/>
-              </a:path>
-            </a:pathLst>
-          </a:custGeom>
-        </p:spPr>
-      </p:sp>
-      <p:sp>
-        <p:nvSpPr>
-          <p:cNvPr id="154" name="Google Shape;154;g613e68b6a1_0_173:notes"/>
-          <p:cNvSpPr txBox="1">
-            <a:spLocks noGrp="1"/>
-          </p:cNvSpPr>
-          <p:nvPr>
-            <p:ph type="body" idx="1"/>
-          </p:nvPr>
-        </p:nvSpPr>
-        <p:spPr>
-          <a:xfrm>
-            <a:off x="685800" y="4343400"/>
-            <a:ext cx="5486400" cy="4114800"/>
-          </a:xfrm>
-          <a:prstGeom prst="rect">
-            <a:avLst/>
-          </a:prstGeom>
-        </p:spPr>
-        <p:txBody>
-          <a:bodyPr spcFirstLastPara="1" wrap="square" lIns="91425" tIns="91425" rIns="91425" bIns="91425" anchor="t" anchorCtr="0">
-            <a:noAutofit/>
-          </a:bodyPr>
-          <a:lstStyle/>
-          <a:p>
-            <a:pPr marL="0" lvl="0" indent="0" algn="l" rtl="0">
-              <a:spcBef>
-                <a:spcPts val="0"/>
-              </a:spcBef>
-              <a:spcAft>
-                <a:spcPts val="0"/>
-              </a:spcAft>
-              <a:buNone/>
-            </a:pPr>
-            <a:endParaRPr/>
-          </a:p>
-        </p:txBody>
-      </p:sp>
-    </p:spTree>
-  </p:cSld>
-  <p:clrMapOvr>
-    <a:masterClrMapping/>
-  </p:clrMapOvr>
-</p:notes>
-</file>
-
-<file path=ppt/notesSlides/notesSlide21.xml><?xml version="1.0" encoding="utf-8"?>
-<p:notes xmlns:a="http://schemas.openxmlformats.org/drawingml/2006/main" xmlns:r="http://schemas.openxmlformats.org/officeDocument/2006/relationships" xmlns:p="http://schemas.openxmlformats.org/presentationml/2006/main" showMasterSp="0" showMasterPhAnim="0">
-  <p:cSld>
-    <p:spTree>
-      <p:nvGrpSpPr>
         <p:cNvPr id="1" name="Shape 157"/>
         <p:cNvGrpSpPr/>
         <p:nvPr/>
@@ -2183,7 +2078,7 @@
 </p:notes>
 </file>
 
-<file path=ppt/notesSlides/notesSlide22.xml><?xml version="1.0" encoding="utf-8"?>
+<file path=ppt/notesSlides/notesSlide21.xml><?xml version="1.0" encoding="utf-8"?>
 <p:notes xmlns:a="http://schemas.openxmlformats.org/drawingml/2006/main" xmlns:r="http://schemas.openxmlformats.org/officeDocument/2006/relationships" xmlns:p="http://schemas.openxmlformats.org/presentationml/2006/main" showMasterSp="0" showMasterPhAnim="0">
   <p:cSld>
     <p:spTree>
@@ -2287,7 +2182,7 @@
 </p:notes>
 </file>
 
-<file path=ppt/notesSlides/notesSlide23.xml><?xml version="1.0" encoding="utf-8"?>
+<file path=ppt/notesSlides/notesSlide22.xml><?xml version="1.0" encoding="utf-8"?>
 <p:notes xmlns:a="http://schemas.openxmlformats.org/drawingml/2006/main" xmlns:r="http://schemas.openxmlformats.org/officeDocument/2006/relationships" xmlns:p="http://schemas.openxmlformats.org/presentationml/2006/main" showMasterSp="0" showMasterPhAnim="0">
   <p:cSld>
     <p:spTree>
@@ -2316,7 +2211,7 @@
         </p:nvSpPr>
         <p:spPr>
           <a:xfrm>
-            <a:off x="381300" y="685800"/>
+            <a:off x="381000" y="685800"/>
             <a:ext cx="6096000" cy="3429000"/>
           </a:xfrm>
           <a:custGeom>
@@ -2391,7 +2286,7 @@
 </p:notes>
 </file>
 
-<file path=ppt/notesSlides/notesSlide24.xml><?xml version="1.0" encoding="utf-8"?>
+<file path=ppt/notesSlides/notesSlide23.xml><?xml version="1.0" encoding="utf-8"?>
 <p:notes xmlns:a="http://schemas.openxmlformats.org/drawingml/2006/main" xmlns:r="http://schemas.openxmlformats.org/officeDocument/2006/relationships" xmlns:p="http://schemas.openxmlformats.org/presentationml/2006/main" showMasterSp="0" showMasterPhAnim="0">
   <p:cSld>
     <p:spTree>
@@ -2495,7 +2390,7 @@
 </p:notes>
 </file>
 
-<file path=ppt/notesSlides/notesSlide25.xml><?xml version="1.0" encoding="utf-8"?>
+<file path=ppt/notesSlides/notesSlide24.xml><?xml version="1.0" encoding="utf-8"?>
 <p:notes xmlns:a="http://schemas.openxmlformats.org/drawingml/2006/main" xmlns:r="http://schemas.openxmlformats.org/officeDocument/2006/relationships" xmlns:p="http://schemas.openxmlformats.org/presentationml/2006/main" showMasterSp="0" showMasterPhAnim="0">
   <p:cSld>
     <p:spTree>
@@ -2599,7 +2494,7 @@
 </p:notes>
 </file>
 
-<file path=ppt/notesSlides/notesSlide26.xml><?xml version="1.0" encoding="utf-8"?>
+<file path=ppt/notesSlides/notesSlide25.xml><?xml version="1.0" encoding="utf-8"?>
 <p:notes xmlns:a="http://schemas.openxmlformats.org/drawingml/2006/main" xmlns:r="http://schemas.openxmlformats.org/officeDocument/2006/relationships" xmlns:p="http://schemas.openxmlformats.org/presentationml/2006/main" showMasterSp="0" showMasterPhAnim="0">
   <p:cSld>
     <p:spTree>
@@ -2703,7 +2598,7 @@
 </p:notes>
 </file>
 
-<file path=ppt/notesSlides/notesSlide27.xml><?xml version="1.0" encoding="utf-8"?>
+<file path=ppt/notesSlides/notesSlide26.xml><?xml version="1.0" encoding="utf-8"?>
 <p:notes xmlns:a="http://schemas.openxmlformats.org/drawingml/2006/main" xmlns:r="http://schemas.openxmlformats.org/officeDocument/2006/relationships" xmlns:p="http://schemas.openxmlformats.org/presentationml/2006/main" showMasterSp="0" showMasterPhAnim="0">
   <p:cSld>
     <p:spTree>
@@ -10854,17 +10749,9 @@
 <file path=ppt/slides/slide19.xml><?xml version="1.0" encoding="utf-8"?>
 <p:sld xmlns:a="http://schemas.openxmlformats.org/drawingml/2006/main" xmlns:r="http://schemas.openxmlformats.org/officeDocument/2006/relationships" xmlns:p="http://schemas.openxmlformats.org/presentationml/2006/main">
   <p:cSld>
-    <p:bg>
-      <p:bgPr>
-        <a:solidFill>
-          <a:srgbClr val="9CCC65"/>
-        </a:solidFill>
-        <a:effectLst/>
-      </p:bgPr>
-    </p:bg>
     <p:spTree>
       <p:nvGrpSpPr>
-        <p:cNvPr id="1" name="Shape 149"/>
+        <p:cNvPr id="1" name="Shape 155"/>
         <p:cNvGrpSpPr/>
         <p:nvPr/>
       </p:nvGrpSpPr>
@@ -10878,30 +10765,30 @@
       </p:grpSpPr>
       <p:sp>
         <p:nvSpPr>
-          <p:cNvPr id="150" name="Google Shape;150;p31"/>
-          <p:cNvSpPr txBox="1">
-            <a:spLocks noGrp="1"/>
-          </p:cNvSpPr>
-          <p:nvPr>
-            <p:ph type="ctrTitle"/>
-          </p:nvPr>
+          <p:cNvPr id="156" name="Google Shape;156;p32"/>
+          <p:cNvSpPr txBox="1"/>
+          <p:nvPr/>
         </p:nvSpPr>
         <p:spPr>
           <a:xfrm>
-            <a:off x="311708" y="744575"/>
-            <a:ext cx="8520600" cy="2052600"/>
+            <a:off x="903600" y="1160850"/>
+            <a:ext cx="7336800" cy="2821800"/>
           </a:xfrm>
           <a:prstGeom prst="rect">
             <a:avLst/>
           </a:prstGeom>
+          <a:noFill/>
+          <a:ln>
+            <a:noFill/>
+          </a:ln>
         </p:spPr>
         <p:txBody>
-          <a:bodyPr spcFirstLastPara="1" wrap="square" lIns="91425" tIns="91425" rIns="91425" bIns="91425" anchor="b" anchorCtr="0">
+          <a:bodyPr spcFirstLastPara="1" wrap="square" lIns="91425" tIns="91425" rIns="91425" bIns="91425" anchor="ctr" anchorCtr="0">
             <a:noAutofit/>
           </a:bodyPr>
           <a:lstStyle/>
           <a:p>
-            <a:pPr marL="0" lvl="0" indent="0" algn="ctr" rtl="0">
+            <a:pPr marL="0" lvl="0" indent="0" algn="l" rtl="0">
               <a:spcBef>
                 <a:spcPts val="0"/>
               </a:spcBef>
@@ -10911,52 +10798,50 @@
               <a:buNone/>
             </a:pPr>
             <a:r>
-              <a:rPr lang="en-GB" sz="6000"/>
-              <a:t>Let’s use it in a demo!</a:t>
-            </a:r>
-            <a:endParaRPr sz="6000"/>
-          </a:p>
-        </p:txBody>
-      </p:sp>
-      <p:sp>
-        <p:nvSpPr>
-          <p:cNvPr id="151" name="Google Shape;151;p31"/>
-          <p:cNvSpPr txBox="1">
-            <a:spLocks noGrp="1"/>
-          </p:cNvSpPr>
-          <p:nvPr>
-            <p:ph type="subTitle" idx="1"/>
-          </p:nvPr>
-        </p:nvSpPr>
-        <p:spPr>
-          <a:xfrm>
-            <a:off x="311700" y="2834125"/>
-            <a:ext cx="8520600" cy="792600"/>
-          </a:xfrm>
-          <a:prstGeom prst="rect">
-            <a:avLst/>
-          </a:prstGeom>
-        </p:spPr>
-        <p:txBody>
-          <a:bodyPr spcFirstLastPara="1" wrap="square" lIns="91425" tIns="91425" rIns="91425" bIns="91425" anchor="t" anchorCtr="0">
-            <a:noAutofit/>
-          </a:bodyPr>
-          <a:lstStyle/>
-          <a:p>
-            <a:pPr marL="0" lvl="0" indent="0" algn="ctr" rtl="0">
-              <a:spcBef>
-                <a:spcPts val="0"/>
-              </a:spcBef>
-              <a:spcAft>
-                <a:spcPts val="0"/>
-              </a:spcAft>
-              <a:buNone/>
-            </a:pPr>
-            <a:r>
-              <a:rPr lang="en-GB"/>
-              <a:t>Please grab (Exercise) Flexbox I from Day 16.</a:t>
-            </a:r>
-            <a:endParaRPr/>
+              <a:rPr lang="en-GB" sz="3600">
+                <a:solidFill>
+                  <a:srgbClr val="4C5258"/>
+                </a:solidFill>
+                <a:latin typeface="Avenir"/>
+                <a:ea typeface="Avenir"/>
+                <a:cs typeface="Avenir"/>
+                <a:sym typeface="Avenir"/>
+              </a:rPr>
+              <a:t>So far, we’ve been using </a:t>
+            </a:r>
+            <a:r>
+              <a:rPr lang="en-GB" sz="3600">
+                <a:solidFill>
+                  <a:srgbClr val="ED5565"/>
+                </a:solidFill>
+                <a:latin typeface="Avenir"/>
+                <a:ea typeface="Avenir"/>
+                <a:cs typeface="Avenir"/>
+                <a:sym typeface="Avenir"/>
+              </a:rPr>
+              <a:t>flexbox </a:t>
+            </a:r>
+            <a:r>
+              <a:rPr lang="en-GB" sz="3600">
+                <a:solidFill>
+                  <a:srgbClr val="4C5258"/>
+                </a:solidFill>
+                <a:latin typeface="Avenir"/>
+                <a:ea typeface="Avenir"/>
+                <a:cs typeface="Avenir"/>
+                <a:sym typeface="Avenir"/>
+              </a:rPr>
+              <a:t>to place multiple boxes side-by-side.</a:t>
+            </a:r>
+            <a:endParaRPr sz="3600">
+              <a:solidFill>
+                <a:srgbClr val="4C5258"/>
+              </a:solidFill>
+              <a:latin typeface="Avenir"/>
+              <a:ea typeface="Avenir"/>
+              <a:cs typeface="Avenir"/>
+              <a:sym typeface="Avenir"/>
+            </a:endParaRPr>
           </a:p>
         </p:txBody>
       </p:sp>
@@ -11056,113 +10941,6 @@
   <p:cSld>
     <p:spTree>
       <p:nvGrpSpPr>
-        <p:cNvPr id="1" name="Shape 155"/>
-        <p:cNvGrpSpPr/>
-        <p:nvPr/>
-      </p:nvGrpSpPr>
-      <p:grpSpPr>
-        <a:xfrm>
-          <a:off x="0" y="0"/>
-          <a:ext cx="0" cy="0"/>
-          <a:chOff x="0" y="0"/>
-          <a:chExt cx="0" cy="0"/>
-        </a:xfrm>
-      </p:grpSpPr>
-      <p:sp>
-        <p:nvSpPr>
-          <p:cNvPr id="156" name="Google Shape;156;p32"/>
-          <p:cNvSpPr txBox="1"/>
-          <p:nvPr/>
-        </p:nvSpPr>
-        <p:spPr>
-          <a:xfrm>
-            <a:off x="903600" y="1160850"/>
-            <a:ext cx="7336800" cy="2821800"/>
-          </a:xfrm>
-          <a:prstGeom prst="rect">
-            <a:avLst/>
-          </a:prstGeom>
-          <a:noFill/>
-          <a:ln>
-            <a:noFill/>
-          </a:ln>
-        </p:spPr>
-        <p:txBody>
-          <a:bodyPr spcFirstLastPara="1" wrap="square" lIns="91425" tIns="91425" rIns="91425" bIns="91425" anchor="ctr" anchorCtr="0">
-            <a:noAutofit/>
-          </a:bodyPr>
-          <a:lstStyle/>
-          <a:p>
-            <a:pPr marL="0" lvl="0" indent="0" algn="l" rtl="0">
-              <a:spcBef>
-                <a:spcPts val="0"/>
-              </a:spcBef>
-              <a:spcAft>
-                <a:spcPts val="0"/>
-              </a:spcAft>
-              <a:buNone/>
-            </a:pPr>
-            <a:r>
-              <a:rPr lang="en-GB" sz="3600">
-                <a:solidFill>
-                  <a:srgbClr val="4C5258"/>
-                </a:solidFill>
-                <a:latin typeface="Avenir"/>
-                <a:ea typeface="Avenir"/>
-                <a:cs typeface="Avenir"/>
-                <a:sym typeface="Avenir"/>
-              </a:rPr>
-              <a:t>So far, we’ve been using </a:t>
-            </a:r>
-            <a:r>
-              <a:rPr lang="en-GB" sz="3600">
-                <a:solidFill>
-                  <a:srgbClr val="ED5565"/>
-                </a:solidFill>
-                <a:latin typeface="Avenir"/>
-                <a:ea typeface="Avenir"/>
-                <a:cs typeface="Avenir"/>
-                <a:sym typeface="Avenir"/>
-              </a:rPr>
-              <a:t>flexbox </a:t>
-            </a:r>
-            <a:r>
-              <a:rPr lang="en-GB" sz="3600">
-                <a:solidFill>
-                  <a:srgbClr val="4C5258"/>
-                </a:solidFill>
-                <a:latin typeface="Avenir"/>
-                <a:ea typeface="Avenir"/>
-                <a:cs typeface="Avenir"/>
-                <a:sym typeface="Avenir"/>
-              </a:rPr>
-              <a:t>to place multiple boxes side-by-side.</a:t>
-            </a:r>
-            <a:endParaRPr sz="3600">
-              <a:solidFill>
-                <a:srgbClr val="4C5258"/>
-              </a:solidFill>
-              <a:latin typeface="Avenir"/>
-              <a:ea typeface="Avenir"/>
-              <a:cs typeface="Avenir"/>
-              <a:sym typeface="Avenir"/>
-            </a:endParaRPr>
-          </a:p>
-        </p:txBody>
-      </p:sp>
-    </p:spTree>
-  </p:cSld>
-  <p:clrMapOvr>
-    <a:masterClrMapping/>
-  </p:clrMapOvr>
-</p:sld>
-</file>
-
-<file path=ppt/slides/slide21.xml><?xml version="1.0" encoding="utf-8"?>
-<p:sld xmlns:a="http://schemas.openxmlformats.org/drawingml/2006/main" xmlns:r="http://schemas.openxmlformats.org/officeDocument/2006/relationships" xmlns:p="http://schemas.openxmlformats.org/presentationml/2006/main">
-  <p:cSld>
-    <p:spTree>
-      <p:nvGrpSpPr>
         <p:cNvPr id="1" name="Shape 160"/>
         <p:cNvGrpSpPr/>
         <p:nvPr/>
@@ -11289,7 +11067,7 @@
 </p:sld>
 </file>
 
-<file path=ppt/slides/slide22.xml><?xml version="1.0" encoding="utf-8"?>
+<file path=ppt/slides/slide21.xml><?xml version="1.0" encoding="utf-8"?>
 <p:sld xmlns:a="http://schemas.openxmlformats.org/drawingml/2006/main" xmlns:r="http://schemas.openxmlformats.org/officeDocument/2006/relationships" xmlns:p="http://schemas.openxmlformats.org/presentationml/2006/main">
   <p:cSld>
     <p:spTree>
@@ -11396,7 +11174,7 @@
 </p:sld>
 </file>
 
-<file path=ppt/slides/slide23.xml><?xml version="1.0" encoding="utf-8"?>
+<file path=ppt/slides/slide22.xml><?xml version="1.0" encoding="utf-8"?>
 <p:sld xmlns:a="http://schemas.openxmlformats.org/drawingml/2006/main" xmlns:r="http://schemas.openxmlformats.org/officeDocument/2006/relationships" xmlns:p="http://schemas.openxmlformats.org/presentationml/2006/main">
   <p:cSld>
     <p:bg>
@@ -11498,10 +11276,10 @@
               <a:buNone/>
             </a:pPr>
             <a:r>
-              <a:rPr lang="en-GB"/>
-              <a:t>still a weird flex, but ok</a:t>
-            </a:r>
-            <a:endParaRPr/>
+              <a:rPr lang="en-GB" dirty="0"/>
+              <a:t> </a:t>
+            </a:r>
+            <a:endParaRPr dirty="0"/>
           </a:p>
         </p:txBody>
       </p:sp>
@@ -11513,7 +11291,7 @@
 </p:sld>
 </file>
 
-<file path=ppt/slides/slide24.xml><?xml version="1.0" encoding="utf-8"?>
+<file path=ppt/slides/slide23.xml><?xml version="1.0" encoding="utf-8"?>
 <p:sld xmlns:a="http://schemas.openxmlformats.org/drawingml/2006/main" xmlns:r="http://schemas.openxmlformats.org/officeDocument/2006/relationships" xmlns:p="http://schemas.openxmlformats.org/presentationml/2006/main">
   <p:cSld>
     <p:spTree>
@@ -11708,7 +11486,7 @@
 </p:sld>
 </file>
 
-<file path=ppt/slides/slide25.xml><?xml version="1.0" encoding="utf-8"?>
+<file path=ppt/slides/slide24.xml><?xml version="1.0" encoding="utf-8"?>
 <p:sld xmlns:a="http://schemas.openxmlformats.org/drawingml/2006/main" xmlns:r="http://schemas.openxmlformats.org/officeDocument/2006/relationships" xmlns:p="http://schemas.openxmlformats.org/presentationml/2006/main">
   <p:cSld>
     <p:spTree>
@@ -11847,7 +11625,7 @@
 </p:sld>
 </file>
 
-<file path=ppt/slides/slide26.xml><?xml version="1.0" encoding="utf-8"?>
+<file path=ppt/slides/slide25.xml><?xml version="1.0" encoding="utf-8"?>
 <p:sld xmlns:a="http://schemas.openxmlformats.org/drawingml/2006/main" xmlns:r="http://schemas.openxmlformats.org/officeDocument/2006/relationships" xmlns:p="http://schemas.openxmlformats.org/presentationml/2006/main">
   <p:cSld>
     <p:bg>
@@ -12130,7 +11908,7 @@
 </p:sld>
 </file>
 
-<file path=ppt/slides/slide27.xml><?xml version="1.0" encoding="utf-8"?>
+<file path=ppt/slides/slide26.xml><?xml version="1.0" encoding="utf-8"?>
 <p:sld xmlns:a="http://schemas.openxmlformats.org/drawingml/2006/main" xmlns:r="http://schemas.openxmlformats.org/officeDocument/2006/relationships" xmlns:p="http://schemas.openxmlformats.org/presentationml/2006/main">
   <p:cSld>
     <p:spTree>
@@ -13742,6 +13520,21 @@
 </file>
 
 <file path=customXml/item1.xml><?xml version="1.0" encoding="utf-8"?>
+<p:properties xmlns:p="http://schemas.microsoft.com/office/2006/metadata/properties" xmlns:xsi="http://www.w3.org/2001/XMLSchema-instance" xmlns:pc="http://schemas.microsoft.com/office/infopath/2007/PartnerControls">
+  <documentManagement/>
+</p:properties>
+</file>
+
+<file path=customXml/item2.xml><?xml version="1.0" encoding="utf-8"?>
+<?mso-contentType ?>
+<FormTemplates xmlns="http://schemas.microsoft.com/sharepoint/v3/contenttype/forms">
+  <Display>DocumentLibraryForm</Display>
+  <Edit>DocumentLibraryForm</Edit>
+  <New>DocumentLibraryForm</New>
+</FormTemplates>
+</file>
+
+<file path=customXml/item3.xml><?xml version="1.0" encoding="utf-8"?>
 <ct:contentTypeSchema xmlns:ct="http://schemas.microsoft.com/office/2006/metadata/contentType" xmlns:ma="http://schemas.microsoft.com/office/2006/metadata/properties/metaAttributes" ct:_="" ma:_="" ma:contentTypeName="Document" ma:contentTypeID="0x010100999B4E8582394047AF2DB655FCB5DE2D" ma:contentTypeVersion="9" ma:contentTypeDescription="Create a new document." ma:contentTypeScope="" ma:versionID="c3a872e16aa598bfa55e345701532ed0">
   <xsd:schema xmlns:xsd="http://www.w3.org/2001/XMLSchema" xmlns:xs="http://www.w3.org/2001/XMLSchema" xmlns:p="http://schemas.microsoft.com/office/2006/metadata/properties" xmlns:ns2="6e3dbc66-9f84-4f9f-9703-360ecb3635c1" targetNamespace="http://schemas.microsoft.com/office/2006/metadata/properties" ma:root="true" ma:fieldsID="d4209907cebe97717466145e66cc3e7f" ns2:_="">
     <xsd:import namespace="6e3dbc66-9f84-4f9f-9703-360ecb3635c1"/>
@@ -13919,29 +13712,37 @@
 </ct:contentTypeSchema>
 </file>
 
-<file path=customXml/item2.xml><?xml version="1.0" encoding="utf-8"?>
-<?mso-contentType ?>
-<FormTemplates xmlns="http://schemas.microsoft.com/sharepoint/v3/contenttype/forms">
-  <Display>DocumentLibraryForm</Display>
-  <Edit>DocumentLibraryForm</Edit>
-  <New>DocumentLibraryForm</New>
-</FormTemplates>
-</file>
-
-<file path=customXml/item3.xml><?xml version="1.0" encoding="utf-8"?>
-<p:properties xmlns:p="http://schemas.microsoft.com/office/2006/metadata/properties" xmlns:xsi="http://www.w3.org/2001/XMLSchema-instance" xmlns:pc="http://schemas.microsoft.com/office/infopath/2007/PartnerControls">
-  <documentManagement/>
-</p:properties>
-</file>
-
 <file path=customXml/itemProps1.xml><?xml version="1.0" encoding="utf-8"?>
-<ds:datastoreItem xmlns:ds="http://schemas.openxmlformats.org/officeDocument/2006/customXml" ds:itemID="{31EBEF6C-A8BC-41FC-9E95-AADA14A0155D}"/>
+<ds:datastoreItem xmlns:ds="http://schemas.openxmlformats.org/officeDocument/2006/customXml" ds:itemID="{6D45114C-0D2C-41FB-8444-F4837FAA3317}">
+  <ds:schemaRefs>
+    <ds:schemaRef ds:uri="http://schemas.microsoft.com/office/2006/metadata/properties"/>
+    <ds:schemaRef ds:uri="http://schemas.microsoft.com/office/infopath/2007/PartnerControls"/>
+  </ds:schemaRefs>
+</ds:datastoreItem>
 </file>
 
 <file path=customXml/itemProps2.xml><?xml version="1.0" encoding="utf-8"?>
-<ds:datastoreItem xmlns:ds="http://schemas.openxmlformats.org/officeDocument/2006/customXml" ds:itemID="{9E7C6B00-DDF4-43DF-8EF6-5C5235471802}"/>
+<ds:datastoreItem xmlns:ds="http://schemas.openxmlformats.org/officeDocument/2006/customXml" ds:itemID="{9E7C6B00-DDF4-43DF-8EF6-5C5235471802}">
+  <ds:schemaRefs>
+    <ds:schemaRef ds:uri="http://schemas.microsoft.com/sharepoint/v3/contenttype/forms"/>
+  </ds:schemaRefs>
+</ds:datastoreItem>
 </file>
 
 <file path=customXml/itemProps3.xml><?xml version="1.0" encoding="utf-8"?>
-<ds:datastoreItem xmlns:ds="http://schemas.openxmlformats.org/officeDocument/2006/customXml" ds:itemID="{6D45114C-0D2C-41FB-8444-F4837FAA3317}"/>
+<ds:datastoreItem xmlns:ds="http://schemas.openxmlformats.org/officeDocument/2006/customXml" ds:itemID="{31EBEF6C-A8BC-41FC-9E95-AADA14A0155D}">
+  <ds:schemaRefs>
+    <ds:schemaRef ds:uri="http://schemas.microsoft.com/office/2006/metadata/contentType"/>
+    <ds:schemaRef ds:uri="http://schemas.microsoft.com/office/2006/metadata/properties/metaAttributes"/>
+    <ds:schemaRef ds:uri="http://www.w3.org/2001/XMLSchema"/>
+    <ds:schemaRef ds:uri="http://schemas.microsoft.com/office/2006/metadata/properties"/>
+    <ds:schemaRef ds:uri="6e3dbc66-9f84-4f9f-9703-360ecb3635c1"/>
+    <ds:schemaRef ds:uri="http://schemas.microsoft.com/office/2006/documentManagement/types"/>
+    <ds:schemaRef ds:uri="http://schemas.microsoft.com/office/infopath/2007/PartnerControls"/>
+    <ds:schemaRef ds:uri="http://schemas.openxmlformats.org/package/2006/metadata/core-properties"/>
+    <ds:schemaRef ds:uri="http://purl.org/dc/elements/1.1/"/>
+    <ds:schemaRef ds:uri="http://purl.org/dc/terms/"/>
+    <ds:schemaRef ds:uri="http://schemas.microsoft.com/internal/obd"/>
+  </ds:schemaRefs>
+</ds:datastoreItem>
 </file>